--- a/Aprensentação.pptx
+++ b/Aprensentação.pptx
@@ -7,8 +7,8 @@
   <p:sldIdLst>
     <p:sldId id="256" r:id="rId2"/>
     <p:sldId id="257" r:id="rId3"/>
-    <p:sldId id="258" r:id="rId4"/>
-    <p:sldId id="259" r:id="rId5"/>
+    <p:sldId id="259" r:id="rId4"/>
+    <p:sldId id="258" r:id="rId5"/>
     <p:sldId id="260" r:id="rId6"/>
     <p:sldId id="261" r:id="rId7"/>
     <p:sldId id="262" r:id="rId8"/>
@@ -114,6 +114,11 @@
       </a:defRPr>
     </a:lvl9pPr>
   </p:defaultTextStyle>
+  <p:extLst>
+    <p:ext uri="{EFAFB233-063F-42B5-8137-9DF3F51BA10A}">
+      <p15:sldGuideLst xmlns:p15="http://schemas.microsoft.com/office/powerpoint/2012/main"/>
+    </p:ext>
+  </p:extLst>
 </p:presentation>
 </file>
 
@@ -862,7 +867,7 @@
           <a:p>
             <a:fld id="{5EF6E2BA-DD9A-449E-86E3-6A07D209A39A}" type="datetimeFigureOut">
               <a:rPr lang="pt-BR" smtClean="0"/>
-              <a:t>21/11/2025</a:t>
+              <a:t>28/11/2025</a:t>
             </a:fld>
             <a:endParaRPr lang="pt-BR"/>
           </a:p>
@@ -1113,7 +1118,7 @@
           <a:p>
             <a:fld id="{5EF6E2BA-DD9A-449E-86E3-6A07D209A39A}" type="datetimeFigureOut">
               <a:rPr lang="pt-BR" smtClean="0"/>
-              <a:t>21/11/2025</a:t>
+              <a:t>28/11/2025</a:t>
             </a:fld>
             <a:endParaRPr lang="pt-BR"/>
           </a:p>
@@ -1427,7 +1432,7 @@
           <a:p>
             <a:fld id="{5EF6E2BA-DD9A-449E-86E3-6A07D209A39A}" type="datetimeFigureOut">
               <a:rPr lang="pt-BR" smtClean="0"/>
-              <a:t>21/11/2025</a:t>
+              <a:t>28/11/2025</a:t>
             </a:fld>
             <a:endParaRPr lang="pt-BR"/>
           </a:p>
@@ -1760,7 +1765,7 @@
           <a:p>
             <a:fld id="{5EF6E2BA-DD9A-449E-86E3-6A07D209A39A}" type="datetimeFigureOut">
               <a:rPr lang="pt-BR" smtClean="0"/>
-              <a:t>21/11/2025</a:t>
+              <a:t>28/11/2025</a:t>
             </a:fld>
             <a:endParaRPr lang="pt-BR"/>
           </a:p>
@@ -2074,7 +2079,7 @@
           <a:p>
             <a:fld id="{5EF6E2BA-DD9A-449E-86E3-6A07D209A39A}" type="datetimeFigureOut">
               <a:rPr lang="pt-BR" smtClean="0"/>
-              <a:t>21/11/2025</a:t>
+              <a:t>28/11/2025</a:t>
             </a:fld>
             <a:endParaRPr lang="pt-BR"/>
           </a:p>
@@ -2467,7 +2472,7 @@
           <a:p>
             <a:fld id="{5EF6E2BA-DD9A-449E-86E3-6A07D209A39A}" type="datetimeFigureOut">
               <a:rPr lang="pt-BR" smtClean="0"/>
-              <a:t>21/11/2025</a:t>
+              <a:t>28/11/2025</a:t>
             </a:fld>
             <a:endParaRPr lang="pt-BR"/>
           </a:p>
@@ -2637,7 +2642,7 @@
           <a:p>
             <a:fld id="{5EF6E2BA-DD9A-449E-86E3-6A07D209A39A}" type="datetimeFigureOut">
               <a:rPr lang="pt-BR" smtClean="0"/>
-              <a:t>21/11/2025</a:t>
+              <a:t>28/11/2025</a:t>
             </a:fld>
             <a:endParaRPr lang="pt-BR"/>
           </a:p>
@@ -2817,7 +2822,7 @@
           <a:p>
             <a:fld id="{5EF6E2BA-DD9A-449E-86E3-6A07D209A39A}" type="datetimeFigureOut">
               <a:rPr lang="pt-BR" smtClean="0"/>
-              <a:t>21/11/2025</a:t>
+              <a:t>28/11/2025</a:t>
             </a:fld>
             <a:endParaRPr lang="pt-BR"/>
           </a:p>
@@ -2987,7 +2992,7 @@
           <a:p>
             <a:fld id="{5EF6E2BA-DD9A-449E-86E3-6A07D209A39A}" type="datetimeFigureOut">
               <a:rPr lang="pt-BR" smtClean="0"/>
-              <a:t>21/11/2025</a:t>
+              <a:t>28/11/2025</a:t>
             </a:fld>
             <a:endParaRPr lang="pt-BR"/>
           </a:p>
@@ -3234,7 +3239,7 @@
           <a:p>
             <a:fld id="{5EF6E2BA-DD9A-449E-86E3-6A07D209A39A}" type="datetimeFigureOut">
               <a:rPr lang="pt-BR" smtClean="0"/>
-              <a:t>21/11/2025</a:t>
+              <a:t>28/11/2025</a:t>
             </a:fld>
             <a:endParaRPr lang="pt-BR"/>
           </a:p>
@@ -3466,7 +3471,7 @@
           <a:p>
             <a:fld id="{5EF6E2BA-DD9A-449E-86E3-6A07D209A39A}" type="datetimeFigureOut">
               <a:rPr lang="pt-BR" smtClean="0"/>
-              <a:t>21/11/2025</a:t>
+              <a:t>28/11/2025</a:t>
             </a:fld>
             <a:endParaRPr lang="pt-BR"/>
           </a:p>
@@ -3840,7 +3845,7 @@
           <a:p>
             <a:fld id="{5EF6E2BA-DD9A-449E-86E3-6A07D209A39A}" type="datetimeFigureOut">
               <a:rPr lang="pt-BR" smtClean="0"/>
-              <a:t>21/11/2025</a:t>
+              <a:t>28/11/2025</a:t>
             </a:fld>
             <a:endParaRPr lang="pt-BR"/>
           </a:p>
@@ -3963,7 +3968,7 @@
           <a:p>
             <a:fld id="{5EF6E2BA-DD9A-449E-86E3-6A07D209A39A}" type="datetimeFigureOut">
               <a:rPr lang="pt-BR" smtClean="0"/>
-              <a:t>21/11/2025</a:t>
+              <a:t>28/11/2025</a:t>
             </a:fld>
             <a:endParaRPr lang="pt-BR"/>
           </a:p>
@@ -4058,7 +4063,7 @@
           <a:p>
             <a:fld id="{5EF6E2BA-DD9A-449E-86E3-6A07D209A39A}" type="datetimeFigureOut">
               <a:rPr lang="pt-BR" smtClean="0"/>
-              <a:t>21/11/2025</a:t>
+              <a:t>28/11/2025</a:t>
             </a:fld>
             <a:endParaRPr lang="pt-BR"/>
           </a:p>
@@ -4313,7 +4318,7 @@
           <a:p>
             <a:fld id="{5EF6E2BA-DD9A-449E-86E3-6A07D209A39A}" type="datetimeFigureOut">
               <a:rPr lang="pt-BR" smtClean="0"/>
-              <a:t>21/11/2025</a:t>
+              <a:t>28/11/2025</a:t>
             </a:fld>
             <a:endParaRPr lang="pt-BR"/>
           </a:p>
@@ -4618,7 +4623,7 @@
           <a:p>
             <a:fld id="{5EF6E2BA-DD9A-449E-86E3-6A07D209A39A}" type="datetimeFigureOut">
               <a:rPr lang="pt-BR" smtClean="0"/>
-              <a:t>21/11/2025</a:t>
+              <a:t>28/11/2025</a:t>
             </a:fld>
             <a:endParaRPr lang="pt-BR"/>
           </a:p>
@@ -5320,7 +5325,7 @@
           <a:p>
             <a:fld id="{5EF6E2BA-DD9A-449E-86E3-6A07D209A39A}" type="datetimeFigureOut">
               <a:rPr lang="pt-BR" smtClean="0"/>
-              <a:t>21/11/2025</a:t>
+              <a:t>28/11/2025</a:t>
             </a:fld>
             <a:endParaRPr lang="pt-BR"/>
           </a:p>
@@ -7119,6 +7124,318 @@
           </a:p>
         </p:txBody>
       </p:sp>
+      <p:sp>
+        <p:nvSpPr>
+          <p:cNvPr id="3" name="Subtítulo 2">
+            <a:extLst>
+              <a:ext uri="{FF2B5EF4-FFF2-40B4-BE49-F238E27FC236}">
+                <a16:creationId xmlns:a16="http://schemas.microsoft.com/office/drawing/2014/main" id="{D9A4D959-3B49-C614-4C08-F953DB50CA70}"/>
+              </a:ext>
+            </a:extLst>
+          </p:cNvPr>
+          <p:cNvSpPr txBox="1">
+            <a:spLocks/>
+          </p:cNvSpPr>
+          <p:nvPr/>
+        </p:nvSpPr>
+        <p:spPr>
+          <a:xfrm>
+            <a:off x="1507067" y="4152275"/>
+            <a:ext cx="8446402" cy="2286001"/>
+          </a:xfrm>
+          <a:prstGeom prst="rect">
+            <a:avLst/>
+          </a:prstGeom>
+        </p:spPr>
+        <p:txBody>
+          <a:bodyPr vert="horz" lIns="91440" tIns="45720" rIns="91440" bIns="45720" rtlCol="0">
+            <a:normAutofit/>
+          </a:bodyPr>
+          <a:lstStyle>
+            <a:lvl1pPr marL="342900" indent="-342900" algn="l" defTabSz="457200" rtl="0" eaLnBrk="1" latinLnBrk="0" hangingPunct="1">
+              <a:spcBef>
+                <a:spcPts val="1000"/>
+              </a:spcBef>
+              <a:spcAft>
+                <a:spcPts val="0"/>
+              </a:spcAft>
+              <a:buClr>
+                <a:schemeClr val="accent1"/>
+              </a:buClr>
+              <a:buSzPct val="80000"/>
+              <a:buFont typeface="Wingdings 3" charset="2"/>
+              <a:buChar char=""/>
+              <a:defRPr sz="1800" kern="1200">
+                <a:solidFill>
+                  <a:schemeClr val="tx1">
+                    <a:lumMod val="75000"/>
+                    <a:lumOff val="25000"/>
+                  </a:schemeClr>
+                </a:solidFill>
+                <a:latin typeface="+mn-lt"/>
+                <a:ea typeface="+mn-ea"/>
+                <a:cs typeface="+mn-cs"/>
+              </a:defRPr>
+            </a:lvl1pPr>
+            <a:lvl2pPr marL="742950" indent="-285750" algn="l" defTabSz="457200" rtl="0" eaLnBrk="1" latinLnBrk="0" hangingPunct="1">
+              <a:spcBef>
+                <a:spcPts val="1000"/>
+              </a:spcBef>
+              <a:spcAft>
+                <a:spcPts val="0"/>
+              </a:spcAft>
+              <a:buClr>
+                <a:schemeClr val="accent1"/>
+              </a:buClr>
+              <a:buSzPct val="80000"/>
+              <a:buFont typeface="Wingdings 3" charset="2"/>
+              <a:buChar char=""/>
+              <a:defRPr sz="1600" kern="1200">
+                <a:solidFill>
+                  <a:schemeClr val="tx1">
+                    <a:lumMod val="75000"/>
+                    <a:lumOff val="25000"/>
+                  </a:schemeClr>
+                </a:solidFill>
+                <a:latin typeface="+mn-lt"/>
+                <a:ea typeface="+mn-ea"/>
+                <a:cs typeface="+mn-cs"/>
+              </a:defRPr>
+            </a:lvl2pPr>
+            <a:lvl3pPr marL="1143000" indent="-228600" algn="l" defTabSz="457200" rtl="0" eaLnBrk="1" latinLnBrk="0" hangingPunct="1">
+              <a:spcBef>
+                <a:spcPts val="1000"/>
+              </a:spcBef>
+              <a:spcAft>
+                <a:spcPts val="0"/>
+              </a:spcAft>
+              <a:buClr>
+                <a:schemeClr val="accent1"/>
+              </a:buClr>
+              <a:buSzPct val="80000"/>
+              <a:buFont typeface="Wingdings 3" charset="2"/>
+              <a:buChar char=""/>
+              <a:defRPr sz="1400" kern="1200">
+                <a:solidFill>
+                  <a:schemeClr val="tx1">
+                    <a:lumMod val="75000"/>
+                    <a:lumOff val="25000"/>
+                  </a:schemeClr>
+                </a:solidFill>
+                <a:latin typeface="+mn-lt"/>
+                <a:ea typeface="+mn-ea"/>
+                <a:cs typeface="+mn-cs"/>
+              </a:defRPr>
+            </a:lvl3pPr>
+            <a:lvl4pPr marL="1600200" indent="-228600" algn="l" defTabSz="457200" rtl="0" eaLnBrk="1" latinLnBrk="0" hangingPunct="1">
+              <a:spcBef>
+                <a:spcPts val="1000"/>
+              </a:spcBef>
+              <a:spcAft>
+                <a:spcPts val="0"/>
+              </a:spcAft>
+              <a:buClr>
+                <a:schemeClr val="accent1"/>
+              </a:buClr>
+              <a:buSzPct val="80000"/>
+              <a:buFont typeface="Wingdings 3" charset="2"/>
+              <a:buChar char=""/>
+              <a:defRPr sz="1200" kern="1200">
+                <a:solidFill>
+                  <a:schemeClr val="tx1">
+                    <a:lumMod val="75000"/>
+                    <a:lumOff val="25000"/>
+                  </a:schemeClr>
+                </a:solidFill>
+                <a:latin typeface="+mn-lt"/>
+                <a:ea typeface="+mn-ea"/>
+                <a:cs typeface="+mn-cs"/>
+              </a:defRPr>
+            </a:lvl4pPr>
+            <a:lvl5pPr marL="2057400" indent="-228600" algn="l" defTabSz="457200" rtl="0" eaLnBrk="1" latinLnBrk="0" hangingPunct="1">
+              <a:spcBef>
+                <a:spcPts val="1000"/>
+              </a:spcBef>
+              <a:spcAft>
+                <a:spcPts val="0"/>
+              </a:spcAft>
+              <a:buClr>
+                <a:schemeClr val="accent1"/>
+              </a:buClr>
+              <a:buSzPct val="80000"/>
+              <a:buFont typeface="Wingdings 3" charset="2"/>
+              <a:buChar char=""/>
+              <a:defRPr sz="1200" kern="1200">
+                <a:solidFill>
+                  <a:schemeClr val="tx1">
+                    <a:lumMod val="75000"/>
+                    <a:lumOff val="25000"/>
+                  </a:schemeClr>
+                </a:solidFill>
+                <a:latin typeface="+mn-lt"/>
+                <a:ea typeface="+mn-ea"/>
+                <a:cs typeface="+mn-cs"/>
+              </a:defRPr>
+            </a:lvl5pPr>
+            <a:lvl6pPr marL="2514600" indent="-228600" algn="l" defTabSz="457200" rtl="0" eaLnBrk="1" latinLnBrk="0" hangingPunct="1">
+              <a:spcBef>
+                <a:spcPts val="1000"/>
+              </a:spcBef>
+              <a:spcAft>
+                <a:spcPts val="0"/>
+              </a:spcAft>
+              <a:buClr>
+                <a:schemeClr val="accent1"/>
+              </a:buClr>
+              <a:buSzPct val="80000"/>
+              <a:buFont typeface="Wingdings 3" charset="2"/>
+              <a:buChar char=""/>
+              <a:defRPr sz="1200" kern="1200">
+                <a:solidFill>
+                  <a:schemeClr val="tx1">
+                    <a:lumMod val="75000"/>
+                    <a:lumOff val="25000"/>
+                  </a:schemeClr>
+                </a:solidFill>
+                <a:latin typeface="+mn-lt"/>
+                <a:ea typeface="+mn-ea"/>
+                <a:cs typeface="+mn-cs"/>
+              </a:defRPr>
+            </a:lvl6pPr>
+            <a:lvl7pPr marL="2971800" indent="-228600" algn="l" defTabSz="457200" rtl="0" eaLnBrk="1" latinLnBrk="0" hangingPunct="1">
+              <a:spcBef>
+                <a:spcPts val="1000"/>
+              </a:spcBef>
+              <a:spcAft>
+                <a:spcPts val="0"/>
+              </a:spcAft>
+              <a:buClr>
+                <a:schemeClr val="accent1"/>
+              </a:buClr>
+              <a:buSzPct val="80000"/>
+              <a:buFont typeface="Wingdings 3" charset="2"/>
+              <a:buChar char=""/>
+              <a:defRPr sz="1200" kern="1200">
+                <a:solidFill>
+                  <a:schemeClr val="tx1">
+                    <a:lumMod val="75000"/>
+                    <a:lumOff val="25000"/>
+                  </a:schemeClr>
+                </a:solidFill>
+                <a:latin typeface="+mn-lt"/>
+                <a:ea typeface="+mn-ea"/>
+                <a:cs typeface="+mn-cs"/>
+              </a:defRPr>
+            </a:lvl7pPr>
+            <a:lvl8pPr marL="3429000" indent="-228600" algn="l" defTabSz="457200" rtl="0" eaLnBrk="1" latinLnBrk="0" hangingPunct="1">
+              <a:spcBef>
+                <a:spcPts val="1000"/>
+              </a:spcBef>
+              <a:spcAft>
+                <a:spcPts val="0"/>
+              </a:spcAft>
+              <a:buClr>
+                <a:schemeClr val="accent1"/>
+              </a:buClr>
+              <a:buSzPct val="80000"/>
+              <a:buFont typeface="Wingdings 3" charset="2"/>
+              <a:buChar char=""/>
+              <a:defRPr sz="1200" kern="1200">
+                <a:solidFill>
+                  <a:schemeClr val="tx1">
+                    <a:lumMod val="75000"/>
+                    <a:lumOff val="25000"/>
+                  </a:schemeClr>
+                </a:solidFill>
+                <a:latin typeface="+mn-lt"/>
+                <a:ea typeface="+mn-ea"/>
+                <a:cs typeface="+mn-cs"/>
+              </a:defRPr>
+            </a:lvl8pPr>
+            <a:lvl9pPr marL="3886200" indent="-228600" algn="l" defTabSz="457200" rtl="0" eaLnBrk="1" latinLnBrk="0" hangingPunct="1">
+              <a:spcBef>
+                <a:spcPts val="1000"/>
+              </a:spcBef>
+              <a:spcAft>
+                <a:spcPts val="0"/>
+              </a:spcAft>
+              <a:buClr>
+                <a:schemeClr val="accent1"/>
+              </a:buClr>
+              <a:buSzPct val="80000"/>
+              <a:buFont typeface="Wingdings 3" charset="2"/>
+              <a:buChar char=""/>
+              <a:defRPr sz="1200" kern="1200">
+                <a:solidFill>
+                  <a:schemeClr val="tx1">
+                    <a:lumMod val="75000"/>
+                    <a:lumOff val="25000"/>
+                  </a:schemeClr>
+                </a:solidFill>
+                <a:latin typeface="+mn-lt"/>
+                <a:ea typeface="+mn-ea"/>
+                <a:cs typeface="+mn-cs"/>
+              </a:defRPr>
+            </a:lvl9pPr>
+          </a:lstStyle>
+          <a:p>
+            <a:r>
+              <a:rPr lang="pt-BR" b="1" dirty="0">
+                <a:solidFill>
+                  <a:schemeClr val="tx1"/>
+                </a:solidFill>
+              </a:rPr>
+              <a:t>Arthur Felipe Rodrigues Costa</a:t>
+            </a:r>
+          </a:p>
+          <a:p>
+            <a:r>
+              <a:rPr lang="pt-BR" b="1" dirty="0">
+                <a:solidFill>
+                  <a:schemeClr val="tx1"/>
+                </a:solidFill>
+              </a:rPr>
+              <a:t>Contatos:</a:t>
+            </a:r>
+          </a:p>
+          <a:p>
+            <a:pPr lvl="1"/>
+            <a:r>
+              <a:rPr lang="pt-BR" b="1" dirty="0">
+                <a:solidFill>
+                  <a:schemeClr val="tx1"/>
+                </a:solidFill>
+              </a:rPr>
+              <a:t>E-mail: </a:t>
+            </a:r>
+            <a:r>
+              <a:rPr lang="pt-BR" b="1" dirty="0">
+                <a:solidFill>
+                  <a:schemeClr val="tx1"/>
+                </a:solidFill>
+                <a:hlinkClick r:id="rId2"/>
+              </a:rPr>
+              <a:t>arthurfelipercosta@gmail.com</a:t>
+            </a:r>
+            <a:endParaRPr lang="pt-BR" b="1" dirty="0">
+              <a:solidFill>
+                <a:schemeClr val="tx1"/>
+              </a:solidFill>
+            </a:endParaRPr>
+          </a:p>
+          <a:p>
+            <a:pPr lvl="1"/>
+            <a:r>
+              <a:rPr lang="pt-BR" b="1" dirty="0">
+                <a:solidFill>
+                  <a:schemeClr val="tx1"/>
+                </a:solidFill>
+              </a:rPr>
+              <a:t>Telefone: (84) 99939 7770</a:t>
+            </a:r>
+          </a:p>
+        </p:txBody>
+      </p:sp>
     </p:spTree>
     <p:extLst>
       <p:ext uri="{BB962C8B-B14F-4D97-AF65-F5344CB8AC3E}">
@@ -7232,6 +7549,36 @@
           </a:p>
         </p:txBody>
       </p:sp>
+      <p:pic>
+        <p:nvPicPr>
+          <p:cNvPr id="5" name="Imagem 4">
+            <a:extLst>
+              <a:ext uri="{FF2B5EF4-FFF2-40B4-BE49-F238E27FC236}">
+                <a16:creationId xmlns:a16="http://schemas.microsoft.com/office/drawing/2014/main" id="{28839F27-1E62-CEC4-A4DC-9560CA50BFC4}"/>
+              </a:ext>
+            </a:extLst>
+          </p:cNvPr>
+          <p:cNvPicPr>
+            <a:picLocks noChangeAspect="1"/>
+          </p:cNvPicPr>
+          <p:nvPr/>
+        </p:nvPicPr>
+        <p:blipFill>
+          <a:blip r:embed="rId2"/>
+          <a:stretch>
+            <a:fillRect/>
+          </a:stretch>
+        </p:blipFill>
+        <p:spPr>
+          <a:xfrm>
+            <a:off x="557212" y="1464120"/>
+            <a:ext cx="11077575" cy="4933950"/>
+          </a:xfrm>
+          <a:prstGeom prst="rect">
+            <a:avLst/>
+          </a:prstGeom>
+        </p:spPr>
+      </p:pic>
     </p:spTree>
     <p:extLst>
       <p:ext uri="{BB962C8B-B14F-4D97-AF65-F5344CB8AC3E}">
@@ -7439,7 +7786,7 @@
                             </p:stCondLst>
                             <p:childTnLst>
                               <p:par>
-                                <p:cTn id="17" presetID="12" presetClass="entr" presetSubtype="4" fill="hold" grpId="0" nodeType="clickEffect">
+                                <p:cTn id="17" presetID="12" presetClass="entr" presetSubtype="4" fill="hold" nodeType="clickEffect">
                                   <p:stCondLst>
                                     <p:cond delay="0"/>
                                   </p:stCondLst>
@@ -7452,11 +7799,7 @@
                                           </p:stCondLst>
                                         </p:cTn>
                                         <p:tgtEl>
-                                          <p:spTgt spid="3">
-                                            <p:txEl>
-                                              <p:pRg st="2" end="2"/>
-                                            </p:txEl>
-                                          </p:spTgt>
+                                          <p:spTgt spid="5"/>
                                         </p:tgtEl>
                                         <p:attrNameLst>
                                           <p:attrName>style.visibility</p:attrName>
@@ -7470,11 +7813,7 @@
                                       <p:cBhvr additive="base">
                                         <p:cTn id="19" dur="500"/>
                                         <p:tgtEl>
-                                          <p:spTgt spid="3">
-                                            <p:txEl>
-                                              <p:pRg st="2" end="2"/>
-                                            </p:txEl>
-                                          </p:spTgt>
+                                          <p:spTgt spid="5"/>
                                         </p:tgtEl>
                                         <p:attrNameLst>
                                           <p:attrName>ppt_y</p:attrName>
@@ -7496,6 +7835,143 @@
                                     <p:animEffect transition="in" filter="wipe(up)">
                                       <p:cBhvr>
                                         <p:cTn id="20" dur="500"/>
+                                        <p:tgtEl>
+                                          <p:spTgt spid="5"/>
+                                        </p:tgtEl>
+                                      </p:cBhvr>
+                                    </p:animEffect>
+                                  </p:childTnLst>
+                                </p:cTn>
+                              </p:par>
+                            </p:childTnLst>
+                          </p:cTn>
+                        </p:par>
+                      </p:childTnLst>
+                    </p:cTn>
+                  </p:par>
+                  <p:par>
+                    <p:cTn id="21" fill="hold">
+                      <p:stCondLst>
+                        <p:cond delay="indefinite"/>
+                      </p:stCondLst>
+                      <p:childTnLst>
+                        <p:par>
+                          <p:cTn id="22" fill="hold">
+                            <p:stCondLst>
+                              <p:cond delay="0"/>
+                            </p:stCondLst>
+                            <p:childTnLst>
+                              <p:par>
+                                <p:cTn id="23" presetID="14" presetClass="exit" presetSubtype="10" fill="hold" nodeType="clickEffect">
+                                  <p:stCondLst>
+                                    <p:cond delay="0"/>
+                                  </p:stCondLst>
+                                  <p:childTnLst>
+                                    <p:animEffect transition="out" filter="randombar(horizontal)">
+                                      <p:cBhvr>
+                                        <p:cTn id="24" dur="500"/>
+                                        <p:tgtEl>
+                                          <p:spTgt spid="5"/>
+                                        </p:tgtEl>
+                                      </p:cBhvr>
+                                    </p:animEffect>
+                                    <p:set>
+                                      <p:cBhvr>
+                                        <p:cTn id="25" dur="1" fill="hold">
+                                          <p:stCondLst>
+                                            <p:cond delay="499"/>
+                                          </p:stCondLst>
+                                        </p:cTn>
+                                        <p:tgtEl>
+                                          <p:spTgt spid="5"/>
+                                        </p:tgtEl>
+                                        <p:attrNameLst>
+                                          <p:attrName>style.visibility</p:attrName>
+                                        </p:attrNameLst>
+                                      </p:cBhvr>
+                                      <p:to>
+                                        <p:strVal val="hidden"/>
+                                      </p:to>
+                                    </p:set>
+                                  </p:childTnLst>
+                                </p:cTn>
+                              </p:par>
+                            </p:childTnLst>
+                          </p:cTn>
+                        </p:par>
+                      </p:childTnLst>
+                    </p:cTn>
+                  </p:par>
+                  <p:par>
+                    <p:cTn id="26" fill="hold">
+                      <p:stCondLst>
+                        <p:cond delay="indefinite"/>
+                      </p:stCondLst>
+                      <p:childTnLst>
+                        <p:par>
+                          <p:cTn id="27" fill="hold">
+                            <p:stCondLst>
+                              <p:cond delay="0"/>
+                            </p:stCondLst>
+                            <p:childTnLst>
+                              <p:par>
+                                <p:cTn id="28" presetID="12" presetClass="entr" presetSubtype="4" fill="hold" grpId="0" nodeType="clickEffect">
+                                  <p:stCondLst>
+                                    <p:cond delay="0"/>
+                                  </p:stCondLst>
+                                  <p:childTnLst>
+                                    <p:set>
+                                      <p:cBhvr>
+                                        <p:cTn id="29" dur="1" fill="hold">
+                                          <p:stCondLst>
+                                            <p:cond delay="0"/>
+                                          </p:stCondLst>
+                                        </p:cTn>
+                                        <p:tgtEl>
+                                          <p:spTgt spid="3">
+                                            <p:txEl>
+                                              <p:pRg st="2" end="2"/>
+                                            </p:txEl>
+                                          </p:spTgt>
+                                        </p:tgtEl>
+                                        <p:attrNameLst>
+                                          <p:attrName>style.visibility</p:attrName>
+                                        </p:attrNameLst>
+                                      </p:cBhvr>
+                                      <p:to>
+                                        <p:strVal val="visible"/>
+                                      </p:to>
+                                    </p:set>
+                                    <p:anim calcmode="lin" valueType="num">
+                                      <p:cBhvr additive="base">
+                                        <p:cTn id="30" dur="500"/>
+                                        <p:tgtEl>
+                                          <p:spTgt spid="3">
+                                            <p:txEl>
+                                              <p:pRg st="2" end="2"/>
+                                            </p:txEl>
+                                          </p:spTgt>
+                                        </p:tgtEl>
+                                        <p:attrNameLst>
+                                          <p:attrName>ppt_y</p:attrName>
+                                        </p:attrNameLst>
+                                      </p:cBhvr>
+                                      <p:tavLst>
+                                        <p:tav tm="0">
+                                          <p:val>
+                                            <p:strVal val="#ppt_y+#ppt_h*1.125000"/>
+                                          </p:val>
+                                        </p:tav>
+                                        <p:tav tm="100000">
+                                          <p:val>
+                                            <p:strVal val="#ppt_y"/>
+                                          </p:val>
+                                        </p:tav>
+                                      </p:tavLst>
+                                    </p:anim>
+                                    <p:animEffect transition="in" filter="wipe(up)">
+                                      <p:cBhvr>
+                                        <p:cTn id="31" dur="500"/>
                                         <p:tgtEl>
                                           <p:spTgt spid="3">
                                             <p:txEl>
@@ -7564,6 +8040,656 @@
           <p:cNvPr id="2" name="Título 1">
             <a:extLst>
               <a:ext uri="{FF2B5EF4-FFF2-40B4-BE49-F238E27FC236}">
+                <a16:creationId xmlns:a16="http://schemas.microsoft.com/office/drawing/2014/main" id="{DA8AD6CD-E60C-BB2E-5046-5441B6B8AA76}"/>
+              </a:ext>
+            </a:extLst>
+          </p:cNvPr>
+          <p:cNvSpPr>
+            <a:spLocks noGrp="1"/>
+          </p:cNvSpPr>
+          <p:nvPr>
+            <p:ph type="title"/>
+          </p:nvPr>
+        </p:nvSpPr>
+        <p:spPr/>
+        <p:txBody>
+          <a:bodyPr/>
+          <a:lstStyle/>
+          <a:p>
+            <a:r>
+              <a:rPr lang="pt-BR" dirty="0"/>
+              <a:t>Metodologia e Processamento de Dados</a:t>
+            </a:r>
+          </a:p>
+        </p:txBody>
+      </p:sp>
+      <p:sp>
+        <p:nvSpPr>
+          <p:cNvPr id="4" name="Espaço Reservado para Conteúdo 2">
+            <a:extLst>
+              <a:ext uri="{FF2B5EF4-FFF2-40B4-BE49-F238E27FC236}">
+                <a16:creationId xmlns:a16="http://schemas.microsoft.com/office/drawing/2014/main" id="{41B5BAD4-4D47-DE3D-8FE0-21D9F984AF85}"/>
+              </a:ext>
+            </a:extLst>
+          </p:cNvPr>
+          <p:cNvSpPr txBox="1">
+            <a:spLocks/>
+          </p:cNvSpPr>
+          <p:nvPr/>
+        </p:nvSpPr>
+        <p:spPr>
+          <a:xfrm>
+            <a:off x="677334" y="1930400"/>
+            <a:ext cx="8596668" cy="2296826"/>
+          </a:xfrm>
+          <a:prstGeom prst="rect">
+            <a:avLst/>
+          </a:prstGeom>
+        </p:spPr>
+        <p:txBody>
+          <a:bodyPr vert="horz" lIns="91440" tIns="45720" rIns="91440" bIns="45720" rtlCol="0">
+            <a:normAutofit/>
+          </a:bodyPr>
+          <a:lstStyle>
+            <a:lvl1pPr marL="342900" indent="-342900" algn="l" defTabSz="457200" rtl="0" eaLnBrk="1" latinLnBrk="0" hangingPunct="1">
+              <a:spcBef>
+                <a:spcPts val="1000"/>
+              </a:spcBef>
+              <a:spcAft>
+                <a:spcPts val="0"/>
+              </a:spcAft>
+              <a:buClr>
+                <a:schemeClr val="accent1"/>
+              </a:buClr>
+              <a:buSzPct val="80000"/>
+              <a:buFont typeface="Wingdings 3" charset="2"/>
+              <a:buChar char=""/>
+              <a:defRPr sz="1800" kern="1200">
+                <a:solidFill>
+                  <a:schemeClr val="tx1">
+                    <a:lumMod val="75000"/>
+                    <a:lumOff val="25000"/>
+                  </a:schemeClr>
+                </a:solidFill>
+                <a:latin typeface="+mn-lt"/>
+                <a:ea typeface="+mn-ea"/>
+                <a:cs typeface="+mn-cs"/>
+              </a:defRPr>
+            </a:lvl1pPr>
+            <a:lvl2pPr marL="742950" indent="-285750" algn="l" defTabSz="457200" rtl="0" eaLnBrk="1" latinLnBrk="0" hangingPunct="1">
+              <a:spcBef>
+                <a:spcPts val="1000"/>
+              </a:spcBef>
+              <a:spcAft>
+                <a:spcPts val="0"/>
+              </a:spcAft>
+              <a:buClr>
+                <a:schemeClr val="accent1"/>
+              </a:buClr>
+              <a:buSzPct val="80000"/>
+              <a:buFont typeface="Wingdings 3" charset="2"/>
+              <a:buChar char=""/>
+              <a:defRPr sz="1600" kern="1200">
+                <a:solidFill>
+                  <a:schemeClr val="tx1">
+                    <a:lumMod val="75000"/>
+                    <a:lumOff val="25000"/>
+                  </a:schemeClr>
+                </a:solidFill>
+                <a:latin typeface="+mn-lt"/>
+                <a:ea typeface="+mn-ea"/>
+                <a:cs typeface="+mn-cs"/>
+              </a:defRPr>
+            </a:lvl2pPr>
+            <a:lvl3pPr marL="1143000" indent="-228600" algn="l" defTabSz="457200" rtl="0" eaLnBrk="1" latinLnBrk="0" hangingPunct="1">
+              <a:spcBef>
+                <a:spcPts val="1000"/>
+              </a:spcBef>
+              <a:spcAft>
+                <a:spcPts val="0"/>
+              </a:spcAft>
+              <a:buClr>
+                <a:schemeClr val="accent1"/>
+              </a:buClr>
+              <a:buSzPct val="80000"/>
+              <a:buFont typeface="Wingdings 3" charset="2"/>
+              <a:buChar char=""/>
+              <a:defRPr sz="1400" kern="1200">
+                <a:solidFill>
+                  <a:schemeClr val="tx1">
+                    <a:lumMod val="75000"/>
+                    <a:lumOff val="25000"/>
+                  </a:schemeClr>
+                </a:solidFill>
+                <a:latin typeface="+mn-lt"/>
+                <a:ea typeface="+mn-ea"/>
+                <a:cs typeface="+mn-cs"/>
+              </a:defRPr>
+            </a:lvl3pPr>
+            <a:lvl4pPr marL="1600200" indent="-228600" algn="l" defTabSz="457200" rtl="0" eaLnBrk="1" latinLnBrk="0" hangingPunct="1">
+              <a:spcBef>
+                <a:spcPts val="1000"/>
+              </a:spcBef>
+              <a:spcAft>
+                <a:spcPts val="0"/>
+              </a:spcAft>
+              <a:buClr>
+                <a:schemeClr val="accent1"/>
+              </a:buClr>
+              <a:buSzPct val="80000"/>
+              <a:buFont typeface="Wingdings 3" charset="2"/>
+              <a:buChar char=""/>
+              <a:defRPr sz="1200" kern="1200">
+                <a:solidFill>
+                  <a:schemeClr val="tx1">
+                    <a:lumMod val="75000"/>
+                    <a:lumOff val="25000"/>
+                  </a:schemeClr>
+                </a:solidFill>
+                <a:latin typeface="+mn-lt"/>
+                <a:ea typeface="+mn-ea"/>
+                <a:cs typeface="+mn-cs"/>
+              </a:defRPr>
+            </a:lvl4pPr>
+            <a:lvl5pPr marL="2057400" indent="-228600" algn="l" defTabSz="457200" rtl="0" eaLnBrk="1" latinLnBrk="0" hangingPunct="1">
+              <a:spcBef>
+                <a:spcPts val="1000"/>
+              </a:spcBef>
+              <a:spcAft>
+                <a:spcPts val="0"/>
+              </a:spcAft>
+              <a:buClr>
+                <a:schemeClr val="accent1"/>
+              </a:buClr>
+              <a:buSzPct val="80000"/>
+              <a:buFont typeface="Wingdings 3" charset="2"/>
+              <a:buChar char=""/>
+              <a:defRPr sz="1200" kern="1200">
+                <a:solidFill>
+                  <a:schemeClr val="tx1">
+                    <a:lumMod val="75000"/>
+                    <a:lumOff val="25000"/>
+                  </a:schemeClr>
+                </a:solidFill>
+                <a:latin typeface="+mn-lt"/>
+                <a:ea typeface="+mn-ea"/>
+                <a:cs typeface="+mn-cs"/>
+              </a:defRPr>
+            </a:lvl5pPr>
+            <a:lvl6pPr marL="2514600" indent="-228600" algn="l" defTabSz="457200" rtl="0" eaLnBrk="1" latinLnBrk="0" hangingPunct="1">
+              <a:spcBef>
+                <a:spcPts val="1000"/>
+              </a:spcBef>
+              <a:spcAft>
+                <a:spcPts val="0"/>
+              </a:spcAft>
+              <a:buClr>
+                <a:schemeClr val="accent1"/>
+              </a:buClr>
+              <a:buSzPct val="80000"/>
+              <a:buFont typeface="Wingdings 3" charset="2"/>
+              <a:buChar char=""/>
+              <a:defRPr sz="1200" kern="1200">
+                <a:solidFill>
+                  <a:schemeClr val="tx1">
+                    <a:lumMod val="75000"/>
+                    <a:lumOff val="25000"/>
+                  </a:schemeClr>
+                </a:solidFill>
+                <a:latin typeface="+mn-lt"/>
+                <a:ea typeface="+mn-ea"/>
+                <a:cs typeface="+mn-cs"/>
+              </a:defRPr>
+            </a:lvl6pPr>
+            <a:lvl7pPr marL="2971800" indent="-228600" algn="l" defTabSz="457200" rtl="0" eaLnBrk="1" latinLnBrk="0" hangingPunct="1">
+              <a:spcBef>
+                <a:spcPts val="1000"/>
+              </a:spcBef>
+              <a:spcAft>
+                <a:spcPts val="0"/>
+              </a:spcAft>
+              <a:buClr>
+                <a:schemeClr val="accent1"/>
+              </a:buClr>
+              <a:buSzPct val="80000"/>
+              <a:buFont typeface="Wingdings 3" charset="2"/>
+              <a:buChar char=""/>
+              <a:defRPr sz="1200" kern="1200">
+                <a:solidFill>
+                  <a:schemeClr val="tx1">
+                    <a:lumMod val="75000"/>
+                    <a:lumOff val="25000"/>
+                  </a:schemeClr>
+                </a:solidFill>
+                <a:latin typeface="+mn-lt"/>
+                <a:ea typeface="+mn-ea"/>
+                <a:cs typeface="+mn-cs"/>
+              </a:defRPr>
+            </a:lvl7pPr>
+            <a:lvl8pPr marL="3429000" indent="-228600" algn="l" defTabSz="457200" rtl="0" eaLnBrk="1" latinLnBrk="0" hangingPunct="1">
+              <a:spcBef>
+                <a:spcPts val="1000"/>
+              </a:spcBef>
+              <a:spcAft>
+                <a:spcPts val="0"/>
+              </a:spcAft>
+              <a:buClr>
+                <a:schemeClr val="accent1"/>
+              </a:buClr>
+              <a:buSzPct val="80000"/>
+              <a:buFont typeface="Wingdings 3" charset="2"/>
+              <a:buChar char=""/>
+              <a:defRPr sz="1200" kern="1200">
+                <a:solidFill>
+                  <a:schemeClr val="tx1">
+                    <a:lumMod val="75000"/>
+                    <a:lumOff val="25000"/>
+                  </a:schemeClr>
+                </a:solidFill>
+                <a:latin typeface="+mn-lt"/>
+                <a:ea typeface="+mn-ea"/>
+                <a:cs typeface="+mn-cs"/>
+              </a:defRPr>
+            </a:lvl8pPr>
+            <a:lvl9pPr marL="3886200" indent="-228600" algn="l" defTabSz="457200" rtl="0" eaLnBrk="1" latinLnBrk="0" hangingPunct="1">
+              <a:spcBef>
+                <a:spcPts val="1000"/>
+              </a:spcBef>
+              <a:spcAft>
+                <a:spcPts val="0"/>
+              </a:spcAft>
+              <a:buClr>
+                <a:schemeClr val="accent1"/>
+              </a:buClr>
+              <a:buSzPct val="80000"/>
+              <a:buFont typeface="Wingdings 3" charset="2"/>
+              <a:buChar char=""/>
+              <a:defRPr sz="1200" kern="1200">
+                <a:solidFill>
+                  <a:schemeClr val="tx1">
+                    <a:lumMod val="75000"/>
+                    <a:lumOff val="25000"/>
+                  </a:schemeClr>
+                </a:solidFill>
+                <a:latin typeface="+mn-lt"/>
+                <a:ea typeface="+mn-ea"/>
+                <a:cs typeface="+mn-cs"/>
+              </a:defRPr>
+            </a:lvl9pPr>
+          </a:lstStyle>
+          <a:p>
+            <a:r>
+              <a:rPr lang="pt-BR" dirty="0"/>
+              <a:t>PDF (PBEV -&gt; Conversão (</a:t>
+            </a:r>
+            <a:r>
+              <a:rPr lang="pt-BR" dirty="0" err="1"/>
+              <a:t>Convertio</a:t>
+            </a:r>
+            <a:r>
+              <a:rPr lang="pt-BR" dirty="0"/>
+              <a:t>) -&gt; CSV -&gt; Limpeza de dados (</a:t>
+            </a:r>
+            <a:r>
+              <a:rPr lang="pt-BR" dirty="0" err="1"/>
+              <a:t>Jupyter</a:t>
+            </a:r>
+            <a:r>
+              <a:rPr lang="pt-BR" dirty="0"/>
+              <a:t>/Pandas) -&gt; Dados prontos para uso</a:t>
+            </a:r>
+          </a:p>
+          <a:p>
+            <a:r>
+              <a:rPr lang="pt-BR" dirty="0"/>
+              <a:t>Web </a:t>
+            </a:r>
+            <a:r>
+              <a:rPr lang="pt-BR" dirty="0" err="1"/>
+              <a:t>scrapping</a:t>
+            </a:r>
+            <a:endParaRPr lang="pt-BR" dirty="0"/>
+          </a:p>
+          <a:p>
+            <a:r>
+              <a:rPr lang="pt-BR" dirty="0"/>
+              <a:t>FIPE API</a:t>
+            </a:r>
+          </a:p>
+        </p:txBody>
+      </p:sp>
+    </p:spTree>
+    <p:extLst>
+      <p:ext uri="{BB962C8B-B14F-4D97-AF65-F5344CB8AC3E}">
+        <p14:creationId xmlns:p14="http://schemas.microsoft.com/office/powerpoint/2010/main" val="2609403114"/>
+      </p:ext>
+    </p:extLst>
+  </p:cSld>
+  <p:clrMapOvr>
+    <a:masterClrMapping/>
+  </p:clrMapOvr>
+  <p:timing>
+    <p:tnLst>
+      <p:par>
+        <p:cTn id="1" dur="indefinite" restart="never" nodeType="tmRoot">
+          <p:childTnLst>
+            <p:seq concurrent="1" nextAc="seek">
+              <p:cTn id="2" dur="indefinite" nodeType="mainSeq">
+                <p:childTnLst>
+                  <p:par>
+                    <p:cTn id="3" fill="hold">
+                      <p:stCondLst>
+                        <p:cond delay="indefinite"/>
+                      </p:stCondLst>
+                      <p:childTnLst>
+                        <p:par>
+                          <p:cTn id="4" fill="hold">
+                            <p:stCondLst>
+                              <p:cond delay="0"/>
+                            </p:stCondLst>
+                            <p:childTnLst>
+                              <p:par>
+                                <p:cTn id="5" presetID="12" presetClass="entr" presetSubtype="4" fill="hold" grpId="0" nodeType="clickEffect">
+                                  <p:stCondLst>
+                                    <p:cond delay="0"/>
+                                  </p:stCondLst>
+                                  <p:childTnLst>
+                                    <p:set>
+                                      <p:cBhvr>
+                                        <p:cTn id="6" dur="1" fill="hold">
+                                          <p:stCondLst>
+                                            <p:cond delay="0"/>
+                                          </p:stCondLst>
+                                        </p:cTn>
+                                        <p:tgtEl>
+                                          <p:spTgt spid="4">
+                                            <p:txEl>
+                                              <p:pRg st="0" end="0"/>
+                                            </p:txEl>
+                                          </p:spTgt>
+                                        </p:tgtEl>
+                                        <p:attrNameLst>
+                                          <p:attrName>style.visibility</p:attrName>
+                                        </p:attrNameLst>
+                                      </p:cBhvr>
+                                      <p:to>
+                                        <p:strVal val="visible"/>
+                                      </p:to>
+                                    </p:set>
+                                    <p:anim calcmode="lin" valueType="num">
+                                      <p:cBhvr additive="base">
+                                        <p:cTn id="7" dur="500"/>
+                                        <p:tgtEl>
+                                          <p:spTgt spid="4">
+                                            <p:txEl>
+                                              <p:pRg st="0" end="0"/>
+                                            </p:txEl>
+                                          </p:spTgt>
+                                        </p:tgtEl>
+                                        <p:attrNameLst>
+                                          <p:attrName>ppt_y</p:attrName>
+                                        </p:attrNameLst>
+                                      </p:cBhvr>
+                                      <p:tavLst>
+                                        <p:tav tm="0">
+                                          <p:val>
+                                            <p:strVal val="#ppt_y+#ppt_h*1.125000"/>
+                                          </p:val>
+                                        </p:tav>
+                                        <p:tav tm="100000">
+                                          <p:val>
+                                            <p:strVal val="#ppt_y"/>
+                                          </p:val>
+                                        </p:tav>
+                                      </p:tavLst>
+                                    </p:anim>
+                                    <p:animEffect transition="in" filter="wipe(up)">
+                                      <p:cBhvr>
+                                        <p:cTn id="8" dur="500"/>
+                                        <p:tgtEl>
+                                          <p:spTgt spid="4">
+                                            <p:txEl>
+                                              <p:pRg st="0" end="0"/>
+                                            </p:txEl>
+                                          </p:spTgt>
+                                        </p:tgtEl>
+                                      </p:cBhvr>
+                                    </p:animEffect>
+                                  </p:childTnLst>
+                                </p:cTn>
+                              </p:par>
+                            </p:childTnLst>
+                          </p:cTn>
+                        </p:par>
+                      </p:childTnLst>
+                    </p:cTn>
+                  </p:par>
+                  <p:par>
+                    <p:cTn id="9" fill="hold">
+                      <p:stCondLst>
+                        <p:cond delay="indefinite"/>
+                      </p:stCondLst>
+                      <p:childTnLst>
+                        <p:par>
+                          <p:cTn id="10" fill="hold">
+                            <p:stCondLst>
+                              <p:cond delay="0"/>
+                            </p:stCondLst>
+                            <p:childTnLst>
+                              <p:par>
+                                <p:cTn id="11" presetID="12" presetClass="entr" presetSubtype="4" fill="hold" grpId="0" nodeType="clickEffect">
+                                  <p:stCondLst>
+                                    <p:cond delay="0"/>
+                                  </p:stCondLst>
+                                  <p:childTnLst>
+                                    <p:set>
+                                      <p:cBhvr>
+                                        <p:cTn id="12" dur="1" fill="hold">
+                                          <p:stCondLst>
+                                            <p:cond delay="0"/>
+                                          </p:stCondLst>
+                                        </p:cTn>
+                                        <p:tgtEl>
+                                          <p:spTgt spid="4">
+                                            <p:txEl>
+                                              <p:pRg st="1" end="1"/>
+                                            </p:txEl>
+                                          </p:spTgt>
+                                        </p:tgtEl>
+                                        <p:attrNameLst>
+                                          <p:attrName>style.visibility</p:attrName>
+                                        </p:attrNameLst>
+                                      </p:cBhvr>
+                                      <p:to>
+                                        <p:strVal val="visible"/>
+                                      </p:to>
+                                    </p:set>
+                                    <p:anim calcmode="lin" valueType="num">
+                                      <p:cBhvr additive="base">
+                                        <p:cTn id="13" dur="500"/>
+                                        <p:tgtEl>
+                                          <p:spTgt spid="4">
+                                            <p:txEl>
+                                              <p:pRg st="1" end="1"/>
+                                            </p:txEl>
+                                          </p:spTgt>
+                                        </p:tgtEl>
+                                        <p:attrNameLst>
+                                          <p:attrName>ppt_y</p:attrName>
+                                        </p:attrNameLst>
+                                      </p:cBhvr>
+                                      <p:tavLst>
+                                        <p:tav tm="0">
+                                          <p:val>
+                                            <p:strVal val="#ppt_y+#ppt_h*1.125000"/>
+                                          </p:val>
+                                        </p:tav>
+                                        <p:tav tm="100000">
+                                          <p:val>
+                                            <p:strVal val="#ppt_y"/>
+                                          </p:val>
+                                        </p:tav>
+                                      </p:tavLst>
+                                    </p:anim>
+                                    <p:animEffect transition="in" filter="wipe(up)">
+                                      <p:cBhvr>
+                                        <p:cTn id="14" dur="500"/>
+                                        <p:tgtEl>
+                                          <p:spTgt spid="4">
+                                            <p:txEl>
+                                              <p:pRg st="1" end="1"/>
+                                            </p:txEl>
+                                          </p:spTgt>
+                                        </p:tgtEl>
+                                      </p:cBhvr>
+                                    </p:animEffect>
+                                  </p:childTnLst>
+                                </p:cTn>
+                              </p:par>
+                            </p:childTnLst>
+                          </p:cTn>
+                        </p:par>
+                      </p:childTnLst>
+                    </p:cTn>
+                  </p:par>
+                  <p:par>
+                    <p:cTn id="15" fill="hold">
+                      <p:stCondLst>
+                        <p:cond delay="indefinite"/>
+                      </p:stCondLst>
+                      <p:childTnLst>
+                        <p:par>
+                          <p:cTn id="16" fill="hold">
+                            <p:stCondLst>
+                              <p:cond delay="0"/>
+                            </p:stCondLst>
+                            <p:childTnLst>
+                              <p:par>
+                                <p:cTn id="17" presetID="12" presetClass="entr" presetSubtype="4" fill="hold" grpId="0" nodeType="clickEffect">
+                                  <p:stCondLst>
+                                    <p:cond delay="0"/>
+                                  </p:stCondLst>
+                                  <p:childTnLst>
+                                    <p:set>
+                                      <p:cBhvr>
+                                        <p:cTn id="18" dur="1" fill="hold">
+                                          <p:stCondLst>
+                                            <p:cond delay="0"/>
+                                          </p:stCondLst>
+                                        </p:cTn>
+                                        <p:tgtEl>
+                                          <p:spTgt spid="4">
+                                            <p:txEl>
+                                              <p:pRg st="2" end="2"/>
+                                            </p:txEl>
+                                          </p:spTgt>
+                                        </p:tgtEl>
+                                        <p:attrNameLst>
+                                          <p:attrName>style.visibility</p:attrName>
+                                        </p:attrNameLst>
+                                      </p:cBhvr>
+                                      <p:to>
+                                        <p:strVal val="visible"/>
+                                      </p:to>
+                                    </p:set>
+                                    <p:anim calcmode="lin" valueType="num">
+                                      <p:cBhvr additive="base">
+                                        <p:cTn id="19" dur="500"/>
+                                        <p:tgtEl>
+                                          <p:spTgt spid="4">
+                                            <p:txEl>
+                                              <p:pRg st="2" end="2"/>
+                                            </p:txEl>
+                                          </p:spTgt>
+                                        </p:tgtEl>
+                                        <p:attrNameLst>
+                                          <p:attrName>ppt_y</p:attrName>
+                                        </p:attrNameLst>
+                                      </p:cBhvr>
+                                      <p:tavLst>
+                                        <p:tav tm="0">
+                                          <p:val>
+                                            <p:strVal val="#ppt_y+#ppt_h*1.125000"/>
+                                          </p:val>
+                                        </p:tav>
+                                        <p:tav tm="100000">
+                                          <p:val>
+                                            <p:strVal val="#ppt_y"/>
+                                          </p:val>
+                                        </p:tav>
+                                      </p:tavLst>
+                                    </p:anim>
+                                    <p:animEffect transition="in" filter="wipe(up)">
+                                      <p:cBhvr>
+                                        <p:cTn id="20" dur="500"/>
+                                        <p:tgtEl>
+                                          <p:spTgt spid="4">
+                                            <p:txEl>
+                                              <p:pRg st="2" end="2"/>
+                                            </p:txEl>
+                                          </p:spTgt>
+                                        </p:tgtEl>
+                                      </p:cBhvr>
+                                    </p:animEffect>
+                                  </p:childTnLst>
+                                </p:cTn>
+                              </p:par>
+                            </p:childTnLst>
+                          </p:cTn>
+                        </p:par>
+                      </p:childTnLst>
+                    </p:cTn>
+                  </p:par>
+                </p:childTnLst>
+              </p:cTn>
+              <p:prevCondLst>
+                <p:cond evt="onPrev" delay="0">
+                  <p:tgtEl>
+                    <p:sldTgt/>
+                  </p:tgtEl>
+                </p:cond>
+              </p:prevCondLst>
+              <p:nextCondLst>
+                <p:cond evt="onNext" delay="0">
+                  <p:tgtEl>
+                    <p:sldTgt/>
+                  </p:tgtEl>
+                </p:cond>
+              </p:nextCondLst>
+            </p:seq>
+          </p:childTnLst>
+        </p:cTn>
+      </p:par>
+    </p:tnLst>
+    <p:bldLst>
+      <p:bldP spid="4" grpId="0" uiExpand="1" build="p"/>
+    </p:bldLst>
+  </p:timing>
+</p:sld>
+</file>
+
+<file path=ppt/slides/slide4.xml><?xml version="1.0" encoding="utf-8"?>
+<p:sld xmlns:a="http://schemas.openxmlformats.org/drawingml/2006/main" xmlns:r="http://schemas.openxmlformats.org/officeDocument/2006/relationships" xmlns:p="http://schemas.openxmlformats.org/presentationml/2006/main">
+  <p:cSld>
+    <p:spTree>
+      <p:nvGrpSpPr>
+        <p:cNvPr id="1" name=""/>
+        <p:cNvGrpSpPr/>
+        <p:nvPr/>
+      </p:nvGrpSpPr>
+      <p:grpSpPr>
+        <a:xfrm>
+          <a:off x="0" y="0"/>
+          <a:ext cx="0" cy="0"/>
+          <a:chOff x="0" y="0"/>
+          <a:chExt cx="0" cy="0"/>
+        </a:xfrm>
+      </p:grpSpPr>
+      <p:sp>
+        <p:nvSpPr>
+          <p:cNvPr id="2" name="Título 1">
+            <a:extLst>
+              <a:ext uri="{FF2B5EF4-FFF2-40B4-BE49-F238E27FC236}">
                 <a16:creationId xmlns:a16="http://schemas.microsoft.com/office/drawing/2014/main" id="{D4571171-2057-58DD-2DEF-58D013965288}"/>
               </a:ext>
             </a:extLst>
@@ -7632,656 +8758,6 @@
   <p:clrMapOvr>
     <a:masterClrMapping/>
   </p:clrMapOvr>
-</p:sld>
-</file>
-
-<file path=ppt/slides/slide4.xml><?xml version="1.0" encoding="utf-8"?>
-<p:sld xmlns:a="http://schemas.openxmlformats.org/drawingml/2006/main" xmlns:r="http://schemas.openxmlformats.org/officeDocument/2006/relationships" xmlns:p="http://schemas.openxmlformats.org/presentationml/2006/main">
-  <p:cSld>
-    <p:spTree>
-      <p:nvGrpSpPr>
-        <p:cNvPr id="1" name=""/>
-        <p:cNvGrpSpPr/>
-        <p:nvPr/>
-      </p:nvGrpSpPr>
-      <p:grpSpPr>
-        <a:xfrm>
-          <a:off x="0" y="0"/>
-          <a:ext cx="0" cy="0"/>
-          <a:chOff x="0" y="0"/>
-          <a:chExt cx="0" cy="0"/>
-        </a:xfrm>
-      </p:grpSpPr>
-      <p:sp>
-        <p:nvSpPr>
-          <p:cNvPr id="2" name="Título 1">
-            <a:extLst>
-              <a:ext uri="{FF2B5EF4-FFF2-40B4-BE49-F238E27FC236}">
-                <a16:creationId xmlns:a16="http://schemas.microsoft.com/office/drawing/2014/main" id="{DA8AD6CD-E60C-BB2E-5046-5441B6B8AA76}"/>
-              </a:ext>
-            </a:extLst>
-          </p:cNvPr>
-          <p:cNvSpPr>
-            <a:spLocks noGrp="1"/>
-          </p:cNvSpPr>
-          <p:nvPr>
-            <p:ph type="title"/>
-          </p:nvPr>
-        </p:nvSpPr>
-        <p:spPr/>
-        <p:txBody>
-          <a:bodyPr/>
-          <a:lstStyle/>
-          <a:p>
-            <a:r>
-              <a:rPr lang="pt-BR" dirty="0"/>
-              <a:t>Metodologia e Processamento de Dados</a:t>
-            </a:r>
-          </a:p>
-        </p:txBody>
-      </p:sp>
-      <p:sp>
-        <p:nvSpPr>
-          <p:cNvPr id="4" name="Espaço Reservado para Conteúdo 2">
-            <a:extLst>
-              <a:ext uri="{FF2B5EF4-FFF2-40B4-BE49-F238E27FC236}">
-                <a16:creationId xmlns:a16="http://schemas.microsoft.com/office/drawing/2014/main" id="{41B5BAD4-4D47-DE3D-8FE0-21D9F984AF85}"/>
-              </a:ext>
-            </a:extLst>
-          </p:cNvPr>
-          <p:cNvSpPr txBox="1">
-            <a:spLocks/>
-          </p:cNvSpPr>
-          <p:nvPr/>
-        </p:nvSpPr>
-        <p:spPr>
-          <a:xfrm>
-            <a:off x="677334" y="1930400"/>
-            <a:ext cx="8596668" cy="2296826"/>
-          </a:xfrm>
-          <a:prstGeom prst="rect">
-            <a:avLst/>
-          </a:prstGeom>
-        </p:spPr>
-        <p:txBody>
-          <a:bodyPr vert="horz" lIns="91440" tIns="45720" rIns="91440" bIns="45720" rtlCol="0">
-            <a:normAutofit/>
-          </a:bodyPr>
-          <a:lstStyle>
-            <a:lvl1pPr marL="342900" indent="-342900" algn="l" defTabSz="457200" rtl="0" eaLnBrk="1" latinLnBrk="0" hangingPunct="1">
-              <a:spcBef>
-                <a:spcPts val="1000"/>
-              </a:spcBef>
-              <a:spcAft>
-                <a:spcPts val="0"/>
-              </a:spcAft>
-              <a:buClr>
-                <a:schemeClr val="accent1"/>
-              </a:buClr>
-              <a:buSzPct val="80000"/>
-              <a:buFont typeface="Wingdings 3" charset="2"/>
-              <a:buChar char=""/>
-              <a:defRPr sz="1800" kern="1200">
-                <a:solidFill>
-                  <a:schemeClr val="tx1">
-                    <a:lumMod val="75000"/>
-                    <a:lumOff val="25000"/>
-                  </a:schemeClr>
-                </a:solidFill>
-                <a:latin typeface="+mn-lt"/>
-                <a:ea typeface="+mn-ea"/>
-                <a:cs typeface="+mn-cs"/>
-              </a:defRPr>
-            </a:lvl1pPr>
-            <a:lvl2pPr marL="742950" indent="-285750" algn="l" defTabSz="457200" rtl="0" eaLnBrk="1" latinLnBrk="0" hangingPunct="1">
-              <a:spcBef>
-                <a:spcPts val="1000"/>
-              </a:spcBef>
-              <a:spcAft>
-                <a:spcPts val="0"/>
-              </a:spcAft>
-              <a:buClr>
-                <a:schemeClr val="accent1"/>
-              </a:buClr>
-              <a:buSzPct val="80000"/>
-              <a:buFont typeface="Wingdings 3" charset="2"/>
-              <a:buChar char=""/>
-              <a:defRPr sz="1600" kern="1200">
-                <a:solidFill>
-                  <a:schemeClr val="tx1">
-                    <a:lumMod val="75000"/>
-                    <a:lumOff val="25000"/>
-                  </a:schemeClr>
-                </a:solidFill>
-                <a:latin typeface="+mn-lt"/>
-                <a:ea typeface="+mn-ea"/>
-                <a:cs typeface="+mn-cs"/>
-              </a:defRPr>
-            </a:lvl2pPr>
-            <a:lvl3pPr marL="1143000" indent="-228600" algn="l" defTabSz="457200" rtl="0" eaLnBrk="1" latinLnBrk="0" hangingPunct="1">
-              <a:spcBef>
-                <a:spcPts val="1000"/>
-              </a:spcBef>
-              <a:spcAft>
-                <a:spcPts val="0"/>
-              </a:spcAft>
-              <a:buClr>
-                <a:schemeClr val="accent1"/>
-              </a:buClr>
-              <a:buSzPct val="80000"/>
-              <a:buFont typeface="Wingdings 3" charset="2"/>
-              <a:buChar char=""/>
-              <a:defRPr sz="1400" kern="1200">
-                <a:solidFill>
-                  <a:schemeClr val="tx1">
-                    <a:lumMod val="75000"/>
-                    <a:lumOff val="25000"/>
-                  </a:schemeClr>
-                </a:solidFill>
-                <a:latin typeface="+mn-lt"/>
-                <a:ea typeface="+mn-ea"/>
-                <a:cs typeface="+mn-cs"/>
-              </a:defRPr>
-            </a:lvl3pPr>
-            <a:lvl4pPr marL="1600200" indent="-228600" algn="l" defTabSz="457200" rtl="0" eaLnBrk="1" latinLnBrk="0" hangingPunct="1">
-              <a:spcBef>
-                <a:spcPts val="1000"/>
-              </a:spcBef>
-              <a:spcAft>
-                <a:spcPts val="0"/>
-              </a:spcAft>
-              <a:buClr>
-                <a:schemeClr val="accent1"/>
-              </a:buClr>
-              <a:buSzPct val="80000"/>
-              <a:buFont typeface="Wingdings 3" charset="2"/>
-              <a:buChar char=""/>
-              <a:defRPr sz="1200" kern="1200">
-                <a:solidFill>
-                  <a:schemeClr val="tx1">
-                    <a:lumMod val="75000"/>
-                    <a:lumOff val="25000"/>
-                  </a:schemeClr>
-                </a:solidFill>
-                <a:latin typeface="+mn-lt"/>
-                <a:ea typeface="+mn-ea"/>
-                <a:cs typeface="+mn-cs"/>
-              </a:defRPr>
-            </a:lvl4pPr>
-            <a:lvl5pPr marL="2057400" indent="-228600" algn="l" defTabSz="457200" rtl="0" eaLnBrk="1" latinLnBrk="0" hangingPunct="1">
-              <a:spcBef>
-                <a:spcPts val="1000"/>
-              </a:spcBef>
-              <a:spcAft>
-                <a:spcPts val="0"/>
-              </a:spcAft>
-              <a:buClr>
-                <a:schemeClr val="accent1"/>
-              </a:buClr>
-              <a:buSzPct val="80000"/>
-              <a:buFont typeface="Wingdings 3" charset="2"/>
-              <a:buChar char=""/>
-              <a:defRPr sz="1200" kern="1200">
-                <a:solidFill>
-                  <a:schemeClr val="tx1">
-                    <a:lumMod val="75000"/>
-                    <a:lumOff val="25000"/>
-                  </a:schemeClr>
-                </a:solidFill>
-                <a:latin typeface="+mn-lt"/>
-                <a:ea typeface="+mn-ea"/>
-                <a:cs typeface="+mn-cs"/>
-              </a:defRPr>
-            </a:lvl5pPr>
-            <a:lvl6pPr marL="2514600" indent="-228600" algn="l" defTabSz="457200" rtl="0" eaLnBrk="1" latinLnBrk="0" hangingPunct="1">
-              <a:spcBef>
-                <a:spcPts val="1000"/>
-              </a:spcBef>
-              <a:spcAft>
-                <a:spcPts val="0"/>
-              </a:spcAft>
-              <a:buClr>
-                <a:schemeClr val="accent1"/>
-              </a:buClr>
-              <a:buSzPct val="80000"/>
-              <a:buFont typeface="Wingdings 3" charset="2"/>
-              <a:buChar char=""/>
-              <a:defRPr sz="1200" kern="1200">
-                <a:solidFill>
-                  <a:schemeClr val="tx1">
-                    <a:lumMod val="75000"/>
-                    <a:lumOff val="25000"/>
-                  </a:schemeClr>
-                </a:solidFill>
-                <a:latin typeface="+mn-lt"/>
-                <a:ea typeface="+mn-ea"/>
-                <a:cs typeface="+mn-cs"/>
-              </a:defRPr>
-            </a:lvl6pPr>
-            <a:lvl7pPr marL="2971800" indent="-228600" algn="l" defTabSz="457200" rtl="0" eaLnBrk="1" latinLnBrk="0" hangingPunct="1">
-              <a:spcBef>
-                <a:spcPts val="1000"/>
-              </a:spcBef>
-              <a:spcAft>
-                <a:spcPts val="0"/>
-              </a:spcAft>
-              <a:buClr>
-                <a:schemeClr val="accent1"/>
-              </a:buClr>
-              <a:buSzPct val="80000"/>
-              <a:buFont typeface="Wingdings 3" charset="2"/>
-              <a:buChar char=""/>
-              <a:defRPr sz="1200" kern="1200">
-                <a:solidFill>
-                  <a:schemeClr val="tx1">
-                    <a:lumMod val="75000"/>
-                    <a:lumOff val="25000"/>
-                  </a:schemeClr>
-                </a:solidFill>
-                <a:latin typeface="+mn-lt"/>
-                <a:ea typeface="+mn-ea"/>
-                <a:cs typeface="+mn-cs"/>
-              </a:defRPr>
-            </a:lvl7pPr>
-            <a:lvl8pPr marL="3429000" indent="-228600" algn="l" defTabSz="457200" rtl="0" eaLnBrk="1" latinLnBrk="0" hangingPunct="1">
-              <a:spcBef>
-                <a:spcPts val="1000"/>
-              </a:spcBef>
-              <a:spcAft>
-                <a:spcPts val="0"/>
-              </a:spcAft>
-              <a:buClr>
-                <a:schemeClr val="accent1"/>
-              </a:buClr>
-              <a:buSzPct val="80000"/>
-              <a:buFont typeface="Wingdings 3" charset="2"/>
-              <a:buChar char=""/>
-              <a:defRPr sz="1200" kern="1200">
-                <a:solidFill>
-                  <a:schemeClr val="tx1">
-                    <a:lumMod val="75000"/>
-                    <a:lumOff val="25000"/>
-                  </a:schemeClr>
-                </a:solidFill>
-                <a:latin typeface="+mn-lt"/>
-                <a:ea typeface="+mn-ea"/>
-                <a:cs typeface="+mn-cs"/>
-              </a:defRPr>
-            </a:lvl8pPr>
-            <a:lvl9pPr marL="3886200" indent="-228600" algn="l" defTabSz="457200" rtl="0" eaLnBrk="1" latinLnBrk="0" hangingPunct="1">
-              <a:spcBef>
-                <a:spcPts val="1000"/>
-              </a:spcBef>
-              <a:spcAft>
-                <a:spcPts val="0"/>
-              </a:spcAft>
-              <a:buClr>
-                <a:schemeClr val="accent1"/>
-              </a:buClr>
-              <a:buSzPct val="80000"/>
-              <a:buFont typeface="Wingdings 3" charset="2"/>
-              <a:buChar char=""/>
-              <a:defRPr sz="1200" kern="1200">
-                <a:solidFill>
-                  <a:schemeClr val="tx1">
-                    <a:lumMod val="75000"/>
-                    <a:lumOff val="25000"/>
-                  </a:schemeClr>
-                </a:solidFill>
-                <a:latin typeface="+mn-lt"/>
-                <a:ea typeface="+mn-ea"/>
-                <a:cs typeface="+mn-cs"/>
-              </a:defRPr>
-            </a:lvl9pPr>
-          </a:lstStyle>
-          <a:p>
-            <a:r>
-              <a:rPr lang="pt-BR" dirty="0"/>
-              <a:t>PDF (PBEV -&gt; Conversão (</a:t>
-            </a:r>
-            <a:r>
-              <a:rPr lang="pt-BR" dirty="0" err="1"/>
-              <a:t>Convertio</a:t>
-            </a:r>
-            <a:r>
-              <a:rPr lang="pt-BR" dirty="0"/>
-              <a:t>) -&gt; CSV -&gt; Limpeza de dados (</a:t>
-            </a:r>
-            <a:r>
-              <a:rPr lang="pt-BR" dirty="0" err="1"/>
-              <a:t>Jupyter</a:t>
-            </a:r>
-            <a:r>
-              <a:rPr lang="pt-BR" dirty="0"/>
-              <a:t>/Pandas) -&gt; Dados prontos para uso</a:t>
-            </a:r>
-          </a:p>
-          <a:p>
-            <a:r>
-              <a:rPr lang="pt-BR" dirty="0"/>
-              <a:t>Web </a:t>
-            </a:r>
-            <a:r>
-              <a:rPr lang="pt-BR" dirty="0" err="1"/>
-              <a:t>scrapping</a:t>
-            </a:r>
-            <a:endParaRPr lang="pt-BR" dirty="0"/>
-          </a:p>
-          <a:p>
-            <a:r>
-              <a:rPr lang="pt-BR" dirty="0"/>
-              <a:t>FIPE API</a:t>
-            </a:r>
-          </a:p>
-        </p:txBody>
-      </p:sp>
-    </p:spTree>
-    <p:extLst>
-      <p:ext uri="{BB962C8B-B14F-4D97-AF65-F5344CB8AC3E}">
-        <p14:creationId xmlns:p14="http://schemas.microsoft.com/office/powerpoint/2010/main" val="2609403114"/>
-      </p:ext>
-    </p:extLst>
-  </p:cSld>
-  <p:clrMapOvr>
-    <a:masterClrMapping/>
-  </p:clrMapOvr>
-  <p:timing>
-    <p:tnLst>
-      <p:par>
-        <p:cTn id="1" dur="indefinite" restart="never" nodeType="tmRoot">
-          <p:childTnLst>
-            <p:seq concurrent="1" nextAc="seek">
-              <p:cTn id="2" dur="indefinite" nodeType="mainSeq">
-                <p:childTnLst>
-                  <p:par>
-                    <p:cTn id="3" fill="hold">
-                      <p:stCondLst>
-                        <p:cond delay="indefinite"/>
-                      </p:stCondLst>
-                      <p:childTnLst>
-                        <p:par>
-                          <p:cTn id="4" fill="hold">
-                            <p:stCondLst>
-                              <p:cond delay="0"/>
-                            </p:stCondLst>
-                            <p:childTnLst>
-                              <p:par>
-                                <p:cTn id="5" presetID="12" presetClass="entr" presetSubtype="4" fill="hold" grpId="0" nodeType="clickEffect">
-                                  <p:stCondLst>
-                                    <p:cond delay="0"/>
-                                  </p:stCondLst>
-                                  <p:childTnLst>
-                                    <p:set>
-                                      <p:cBhvr>
-                                        <p:cTn id="6" dur="1" fill="hold">
-                                          <p:stCondLst>
-                                            <p:cond delay="0"/>
-                                          </p:stCondLst>
-                                        </p:cTn>
-                                        <p:tgtEl>
-                                          <p:spTgt spid="4">
-                                            <p:txEl>
-                                              <p:pRg st="0" end="0"/>
-                                            </p:txEl>
-                                          </p:spTgt>
-                                        </p:tgtEl>
-                                        <p:attrNameLst>
-                                          <p:attrName>style.visibility</p:attrName>
-                                        </p:attrNameLst>
-                                      </p:cBhvr>
-                                      <p:to>
-                                        <p:strVal val="visible"/>
-                                      </p:to>
-                                    </p:set>
-                                    <p:anim calcmode="lin" valueType="num">
-                                      <p:cBhvr additive="base">
-                                        <p:cTn id="7" dur="500"/>
-                                        <p:tgtEl>
-                                          <p:spTgt spid="4">
-                                            <p:txEl>
-                                              <p:pRg st="0" end="0"/>
-                                            </p:txEl>
-                                          </p:spTgt>
-                                        </p:tgtEl>
-                                        <p:attrNameLst>
-                                          <p:attrName>ppt_y</p:attrName>
-                                        </p:attrNameLst>
-                                      </p:cBhvr>
-                                      <p:tavLst>
-                                        <p:tav tm="0">
-                                          <p:val>
-                                            <p:strVal val="#ppt_y+#ppt_h*1.125000"/>
-                                          </p:val>
-                                        </p:tav>
-                                        <p:tav tm="100000">
-                                          <p:val>
-                                            <p:strVal val="#ppt_y"/>
-                                          </p:val>
-                                        </p:tav>
-                                      </p:tavLst>
-                                    </p:anim>
-                                    <p:animEffect transition="in" filter="wipe(up)">
-                                      <p:cBhvr>
-                                        <p:cTn id="8" dur="500"/>
-                                        <p:tgtEl>
-                                          <p:spTgt spid="4">
-                                            <p:txEl>
-                                              <p:pRg st="0" end="0"/>
-                                            </p:txEl>
-                                          </p:spTgt>
-                                        </p:tgtEl>
-                                      </p:cBhvr>
-                                    </p:animEffect>
-                                  </p:childTnLst>
-                                </p:cTn>
-                              </p:par>
-                            </p:childTnLst>
-                          </p:cTn>
-                        </p:par>
-                      </p:childTnLst>
-                    </p:cTn>
-                  </p:par>
-                  <p:par>
-                    <p:cTn id="9" fill="hold">
-                      <p:stCondLst>
-                        <p:cond delay="indefinite"/>
-                      </p:stCondLst>
-                      <p:childTnLst>
-                        <p:par>
-                          <p:cTn id="10" fill="hold">
-                            <p:stCondLst>
-                              <p:cond delay="0"/>
-                            </p:stCondLst>
-                            <p:childTnLst>
-                              <p:par>
-                                <p:cTn id="11" presetID="12" presetClass="entr" presetSubtype="4" fill="hold" grpId="0" nodeType="clickEffect">
-                                  <p:stCondLst>
-                                    <p:cond delay="0"/>
-                                  </p:stCondLst>
-                                  <p:childTnLst>
-                                    <p:set>
-                                      <p:cBhvr>
-                                        <p:cTn id="12" dur="1" fill="hold">
-                                          <p:stCondLst>
-                                            <p:cond delay="0"/>
-                                          </p:stCondLst>
-                                        </p:cTn>
-                                        <p:tgtEl>
-                                          <p:spTgt spid="4">
-                                            <p:txEl>
-                                              <p:pRg st="1" end="1"/>
-                                            </p:txEl>
-                                          </p:spTgt>
-                                        </p:tgtEl>
-                                        <p:attrNameLst>
-                                          <p:attrName>style.visibility</p:attrName>
-                                        </p:attrNameLst>
-                                      </p:cBhvr>
-                                      <p:to>
-                                        <p:strVal val="visible"/>
-                                      </p:to>
-                                    </p:set>
-                                    <p:anim calcmode="lin" valueType="num">
-                                      <p:cBhvr additive="base">
-                                        <p:cTn id="13" dur="500"/>
-                                        <p:tgtEl>
-                                          <p:spTgt spid="4">
-                                            <p:txEl>
-                                              <p:pRg st="1" end="1"/>
-                                            </p:txEl>
-                                          </p:spTgt>
-                                        </p:tgtEl>
-                                        <p:attrNameLst>
-                                          <p:attrName>ppt_y</p:attrName>
-                                        </p:attrNameLst>
-                                      </p:cBhvr>
-                                      <p:tavLst>
-                                        <p:tav tm="0">
-                                          <p:val>
-                                            <p:strVal val="#ppt_y+#ppt_h*1.125000"/>
-                                          </p:val>
-                                        </p:tav>
-                                        <p:tav tm="100000">
-                                          <p:val>
-                                            <p:strVal val="#ppt_y"/>
-                                          </p:val>
-                                        </p:tav>
-                                      </p:tavLst>
-                                    </p:anim>
-                                    <p:animEffect transition="in" filter="wipe(up)">
-                                      <p:cBhvr>
-                                        <p:cTn id="14" dur="500"/>
-                                        <p:tgtEl>
-                                          <p:spTgt spid="4">
-                                            <p:txEl>
-                                              <p:pRg st="1" end="1"/>
-                                            </p:txEl>
-                                          </p:spTgt>
-                                        </p:tgtEl>
-                                      </p:cBhvr>
-                                    </p:animEffect>
-                                  </p:childTnLst>
-                                </p:cTn>
-                              </p:par>
-                            </p:childTnLst>
-                          </p:cTn>
-                        </p:par>
-                      </p:childTnLst>
-                    </p:cTn>
-                  </p:par>
-                  <p:par>
-                    <p:cTn id="15" fill="hold">
-                      <p:stCondLst>
-                        <p:cond delay="indefinite"/>
-                      </p:stCondLst>
-                      <p:childTnLst>
-                        <p:par>
-                          <p:cTn id="16" fill="hold">
-                            <p:stCondLst>
-                              <p:cond delay="0"/>
-                            </p:stCondLst>
-                            <p:childTnLst>
-                              <p:par>
-                                <p:cTn id="17" presetID="12" presetClass="entr" presetSubtype="4" fill="hold" grpId="0" nodeType="clickEffect">
-                                  <p:stCondLst>
-                                    <p:cond delay="0"/>
-                                  </p:stCondLst>
-                                  <p:childTnLst>
-                                    <p:set>
-                                      <p:cBhvr>
-                                        <p:cTn id="18" dur="1" fill="hold">
-                                          <p:stCondLst>
-                                            <p:cond delay="0"/>
-                                          </p:stCondLst>
-                                        </p:cTn>
-                                        <p:tgtEl>
-                                          <p:spTgt spid="4">
-                                            <p:txEl>
-                                              <p:pRg st="2" end="2"/>
-                                            </p:txEl>
-                                          </p:spTgt>
-                                        </p:tgtEl>
-                                        <p:attrNameLst>
-                                          <p:attrName>style.visibility</p:attrName>
-                                        </p:attrNameLst>
-                                      </p:cBhvr>
-                                      <p:to>
-                                        <p:strVal val="visible"/>
-                                      </p:to>
-                                    </p:set>
-                                    <p:anim calcmode="lin" valueType="num">
-                                      <p:cBhvr additive="base">
-                                        <p:cTn id="19" dur="500"/>
-                                        <p:tgtEl>
-                                          <p:spTgt spid="4">
-                                            <p:txEl>
-                                              <p:pRg st="2" end="2"/>
-                                            </p:txEl>
-                                          </p:spTgt>
-                                        </p:tgtEl>
-                                        <p:attrNameLst>
-                                          <p:attrName>ppt_y</p:attrName>
-                                        </p:attrNameLst>
-                                      </p:cBhvr>
-                                      <p:tavLst>
-                                        <p:tav tm="0">
-                                          <p:val>
-                                            <p:strVal val="#ppt_y+#ppt_h*1.125000"/>
-                                          </p:val>
-                                        </p:tav>
-                                        <p:tav tm="100000">
-                                          <p:val>
-                                            <p:strVal val="#ppt_y"/>
-                                          </p:val>
-                                        </p:tav>
-                                      </p:tavLst>
-                                    </p:anim>
-                                    <p:animEffect transition="in" filter="wipe(up)">
-                                      <p:cBhvr>
-                                        <p:cTn id="20" dur="500"/>
-                                        <p:tgtEl>
-                                          <p:spTgt spid="4">
-                                            <p:txEl>
-                                              <p:pRg st="2" end="2"/>
-                                            </p:txEl>
-                                          </p:spTgt>
-                                        </p:tgtEl>
-                                      </p:cBhvr>
-                                    </p:animEffect>
-                                  </p:childTnLst>
-                                </p:cTn>
-                              </p:par>
-                            </p:childTnLst>
-                          </p:cTn>
-                        </p:par>
-                      </p:childTnLst>
-                    </p:cTn>
-                  </p:par>
-                </p:childTnLst>
-              </p:cTn>
-              <p:prevCondLst>
-                <p:cond evt="onPrev" delay="0">
-                  <p:tgtEl>
-                    <p:sldTgt/>
-                  </p:tgtEl>
-                </p:cond>
-              </p:prevCondLst>
-              <p:nextCondLst>
-                <p:cond evt="onNext" delay="0">
-                  <p:tgtEl>
-                    <p:sldTgt/>
-                  </p:tgtEl>
-                </p:cond>
-              </p:nextCondLst>
-            </p:seq>
-          </p:childTnLst>
-        </p:cTn>
-      </p:par>
-    </p:tnLst>
-    <p:bldLst>
-      <p:bldP spid="4" grpId="0" uiExpand="1" build="p"/>
-    </p:bldLst>
-  </p:timing>
 </p:sld>
 </file>
 
@@ -9853,6 +10329,78 @@
           </a:prstGeom>
         </p:spPr>
       </p:pic>
+      <p:pic>
+        <p:nvPicPr>
+          <p:cNvPr id="3" name="Imagem 2">
+            <a:extLst>
+              <a:ext uri="{FF2B5EF4-FFF2-40B4-BE49-F238E27FC236}">
+                <a16:creationId xmlns:a16="http://schemas.microsoft.com/office/drawing/2014/main" id="{DE6C639B-83F1-5B6C-7F6A-8D4A15272BFD}"/>
+              </a:ext>
+            </a:extLst>
+          </p:cNvPr>
+          <p:cNvPicPr>
+            <a:picLocks noChangeAspect="1"/>
+          </p:cNvPicPr>
+          <p:nvPr/>
+        </p:nvPicPr>
+        <p:blipFill>
+          <a:blip r:embed="rId6">
+            <a:extLst>
+              <a:ext uri="{28A0092B-C50C-407E-A947-70E740481C1C}">
+                <a14:useLocalDpi xmlns:a14="http://schemas.microsoft.com/office/drawing/2010/main" val="0"/>
+              </a:ext>
+            </a:extLst>
+          </a:blip>
+          <a:stretch>
+            <a:fillRect/>
+          </a:stretch>
+        </p:blipFill>
+        <p:spPr>
+          <a:xfrm>
+            <a:off x="3360025" y="900553"/>
+            <a:ext cx="5947496" cy="5724116"/>
+          </a:xfrm>
+          <a:prstGeom prst="rect">
+            <a:avLst/>
+          </a:prstGeom>
+        </p:spPr>
+      </p:pic>
+      <p:pic>
+        <p:nvPicPr>
+          <p:cNvPr id="4" name="Imagem 3">
+            <a:extLst>
+              <a:ext uri="{FF2B5EF4-FFF2-40B4-BE49-F238E27FC236}">
+                <a16:creationId xmlns:a16="http://schemas.microsoft.com/office/drawing/2014/main" id="{56F8ACA6-0EAB-A846-B7D6-A4AE04BB583F}"/>
+              </a:ext>
+            </a:extLst>
+          </p:cNvPr>
+          <p:cNvPicPr>
+            <a:picLocks noChangeAspect="1"/>
+          </p:cNvPicPr>
+          <p:nvPr/>
+        </p:nvPicPr>
+        <p:blipFill>
+          <a:blip r:embed="rId7">
+            <a:extLst>
+              <a:ext uri="{28A0092B-C50C-407E-A947-70E740481C1C}">
+                <a14:useLocalDpi xmlns:a14="http://schemas.microsoft.com/office/drawing/2010/main" val="0"/>
+              </a:ext>
+            </a:extLst>
+          </a:blip>
+          <a:stretch>
+            <a:fillRect/>
+          </a:stretch>
+        </p:blipFill>
+        <p:spPr>
+          <a:xfrm>
+            <a:off x="6210396" y="233331"/>
+            <a:ext cx="3995383" cy="6391338"/>
+          </a:xfrm>
+          <a:prstGeom prst="rect">
+            <a:avLst/>
+          </a:prstGeom>
+        </p:spPr>
+      </p:pic>
     </p:spTree>
     <p:extLst>
       <p:ext uri="{BB962C8B-B14F-4D97-AF65-F5344CB8AC3E}">
@@ -10355,6 +10903,246 @@
                                         </p:cTn>
                                         <p:tgtEl>
                                           <p:spTgt spid="13"/>
+                                        </p:tgtEl>
+                                        <p:attrNameLst>
+                                          <p:attrName>style.visibility</p:attrName>
+                                        </p:attrNameLst>
+                                      </p:cBhvr>
+                                      <p:to>
+                                        <p:strVal val="hidden"/>
+                                      </p:to>
+                                    </p:set>
+                                  </p:childTnLst>
+                                </p:cTn>
+                              </p:par>
+                            </p:childTnLst>
+                          </p:cTn>
+                        </p:par>
+                      </p:childTnLst>
+                    </p:cTn>
+                  </p:par>
+                  <p:par>
+                    <p:cTn id="45" fill="hold">
+                      <p:stCondLst>
+                        <p:cond delay="indefinite"/>
+                      </p:stCondLst>
+                      <p:childTnLst>
+                        <p:par>
+                          <p:cTn id="46" fill="hold">
+                            <p:stCondLst>
+                              <p:cond delay="0"/>
+                            </p:stCondLst>
+                            <p:childTnLst>
+                              <p:par>
+                                <p:cTn id="47" presetID="12" presetClass="entr" presetSubtype="4" fill="hold" nodeType="clickEffect">
+                                  <p:stCondLst>
+                                    <p:cond delay="0"/>
+                                  </p:stCondLst>
+                                  <p:childTnLst>
+                                    <p:set>
+                                      <p:cBhvr>
+                                        <p:cTn id="48" dur="1" fill="hold">
+                                          <p:stCondLst>
+                                            <p:cond delay="0"/>
+                                          </p:stCondLst>
+                                        </p:cTn>
+                                        <p:tgtEl>
+                                          <p:spTgt spid="3"/>
+                                        </p:tgtEl>
+                                        <p:attrNameLst>
+                                          <p:attrName>style.visibility</p:attrName>
+                                        </p:attrNameLst>
+                                      </p:cBhvr>
+                                      <p:to>
+                                        <p:strVal val="visible"/>
+                                      </p:to>
+                                    </p:set>
+                                    <p:anim calcmode="lin" valueType="num">
+                                      <p:cBhvr additive="base">
+                                        <p:cTn id="49" dur="500"/>
+                                        <p:tgtEl>
+                                          <p:spTgt spid="3"/>
+                                        </p:tgtEl>
+                                        <p:attrNameLst>
+                                          <p:attrName>ppt_y</p:attrName>
+                                        </p:attrNameLst>
+                                      </p:cBhvr>
+                                      <p:tavLst>
+                                        <p:tav tm="0">
+                                          <p:val>
+                                            <p:strVal val="#ppt_y+#ppt_h*1.125000"/>
+                                          </p:val>
+                                        </p:tav>
+                                        <p:tav tm="100000">
+                                          <p:val>
+                                            <p:strVal val="#ppt_y"/>
+                                          </p:val>
+                                        </p:tav>
+                                      </p:tavLst>
+                                    </p:anim>
+                                    <p:animEffect transition="in" filter="wipe(up)">
+                                      <p:cBhvr>
+                                        <p:cTn id="50" dur="500"/>
+                                        <p:tgtEl>
+                                          <p:spTgt spid="3"/>
+                                        </p:tgtEl>
+                                      </p:cBhvr>
+                                    </p:animEffect>
+                                  </p:childTnLst>
+                                </p:cTn>
+                              </p:par>
+                            </p:childTnLst>
+                          </p:cTn>
+                        </p:par>
+                      </p:childTnLst>
+                    </p:cTn>
+                  </p:par>
+                  <p:par>
+                    <p:cTn id="51" fill="hold">
+                      <p:stCondLst>
+                        <p:cond delay="indefinite"/>
+                      </p:stCondLst>
+                      <p:childTnLst>
+                        <p:par>
+                          <p:cTn id="52" fill="hold">
+                            <p:stCondLst>
+                              <p:cond delay="0"/>
+                            </p:stCondLst>
+                            <p:childTnLst>
+                              <p:par>
+                                <p:cTn id="53" presetID="12" presetClass="entr" presetSubtype="4" fill="hold" nodeType="clickEffect">
+                                  <p:stCondLst>
+                                    <p:cond delay="0"/>
+                                  </p:stCondLst>
+                                  <p:childTnLst>
+                                    <p:set>
+                                      <p:cBhvr>
+                                        <p:cTn id="54" dur="1" fill="hold">
+                                          <p:stCondLst>
+                                            <p:cond delay="0"/>
+                                          </p:stCondLst>
+                                        </p:cTn>
+                                        <p:tgtEl>
+                                          <p:spTgt spid="4"/>
+                                        </p:tgtEl>
+                                        <p:attrNameLst>
+                                          <p:attrName>style.visibility</p:attrName>
+                                        </p:attrNameLst>
+                                      </p:cBhvr>
+                                      <p:to>
+                                        <p:strVal val="visible"/>
+                                      </p:to>
+                                    </p:set>
+                                    <p:anim calcmode="lin" valueType="num">
+                                      <p:cBhvr additive="base">
+                                        <p:cTn id="55" dur="500"/>
+                                        <p:tgtEl>
+                                          <p:spTgt spid="4"/>
+                                        </p:tgtEl>
+                                        <p:attrNameLst>
+                                          <p:attrName>ppt_y</p:attrName>
+                                        </p:attrNameLst>
+                                      </p:cBhvr>
+                                      <p:tavLst>
+                                        <p:tav tm="0">
+                                          <p:val>
+                                            <p:strVal val="#ppt_y+#ppt_h*1.125000"/>
+                                          </p:val>
+                                        </p:tav>
+                                        <p:tav tm="100000">
+                                          <p:val>
+                                            <p:strVal val="#ppt_y"/>
+                                          </p:val>
+                                        </p:tav>
+                                      </p:tavLst>
+                                    </p:anim>
+                                    <p:animEffect transition="in" filter="wipe(up)">
+                                      <p:cBhvr>
+                                        <p:cTn id="56" dur="500"/>
+                                        <p:tgtEl>
+                                          <p:spTgt spid="4"/>
+                                        </p:tgtEl>
+                                      </p:cBhvr>
+                                    </p:animEffect>
+                                  </p:childTnLst>
+                                </p:cTn>
+                              </p:par>
+                              <p:par>
+                                <p:cTn id="57" presetID="22" presetClass="exit" presetSubtype="4" fill="hold" nodeType="withEffect">
+                                  <p:stCondLst>
+                                    <p:cond delay="0"/>
+                                  </p:stCondLst>
+                                  <p:childTnLst>
+                                    <p:animEffect transition="out" filter="wipe(down)">
+                                      <p:cBhvr>
+                                        <p:cTn id="58" dur="500"/>
+                                        <p:tgtEl>
+                                          <p:spTgt spid="3"/>
+                                        </p:tgtEl>
+                                      </p:cBhvr>
+                                    </p:animEffect>
+                                    <p:set>
+                                      <p:cBhvr>
+                                        <p:cTn id="59" dur="1" fill="hold">
+                                          <p:stCondLst>
+                                            <p:cond delay="499"/>
+                                          </p:stCondLst>
+                                        </p:cTn>
+                                        <p:tgtEl>
+                                          <p:spTgt spid="3"/>
+                                        </p:tgtEl>
+                                        <p:attrNameLst>
+                                          <p:attrName>style.visibility</p:attrName>
+                                        </p:attrNameLst>
+                                      </p:cBhvr>
+                                      <p:to>
+                                        <p:strVal val="hidden"/>
+                                      </p:to>
+                                    </p:set>
+                                  </p:childTnLst>
+                                </p:cTn>
+                              </p:par>
+                            </p:childTnLst>
+                          </p:cTn>
+                        </p:par>
+                      </p:childTnLst>
+                    </p:cTn>
+                  </p:par>
+                  <p:par>
+                    <p:cTn id="60" fill="hold">
+                      <p:stCondLst>
+                        <p:cond delay="indefinite"/>
+                      </p:stCondLst>
+                      <p:childTnLst>
+                        <p:par>
+                          <p:cTn id="61" fill="hold">
+                            <p:stCondLst>
+                              <p:cond delay="0"/>
+                            </p:stCondLst>
+                            <p:childTnLst>
+                              <p:par>
+                                <p:cTn id="62" presetID="22" presetClass="exit" presetSubtype="4" fill="hold" nodeType="clickEffect">
+                                  <p:stCondLst>
+                                    <p:cond delay="0"/>
+                                  </p:stCondLst>
+                                  <p:childTnLst>
+                                    <p:animEffect transition="out" filter="wipe(down)">
+                                      <p:cBhvr>
+                                        <p:cTn id="63" dur="500"/>
+                                        <p:tgtEl>
+                                          <p:spTgt spid="4"/>
+                                        </p:tgtEl>
+                                      </p:cBhvr>
+                                    </p:animEffect>
+                                    <p:set>
+                                      <p:cBhvr>
+                                        <p:cTn id="64" dur="1" fill="hold">
+                                          <p:stCondLst>
+                                            <p:cond delay="499"/>
+                                          </p:stCondLst>
+                                        </p:cTn>
+                                        <p:tgtEl>
+                                          <p:spTgt spid="4"/>
                                         </p:tgtEl>
                                         <p:attrNameLst>
                                           <p:attrName>style.visibility</p:attrName>
